--- a/04-architektury-integrace-data/cviceni-04.pptx
+++ b/04-architektury-integrace-data/cviceni-04.pptx
@@ -16032,22 +16032,22 @@
           <a:lstStyle/>
           <a:p>
             <a:r>
-              <a:rPr lang="cs-CZ" i="1" dirty="0"/>
+              <a:rPr lang="cs-CZ" i="1" dirty="0">
+                <a:solidFill>
+                  <a:srgbClr val="FFC000"/>
+                </a:solidFill>
+              </a:rPr>
               <a:t>Jakým způsobem mohou aplikace sdílet data prostřednictvím souborů?</a:t>
             </a:r>
           </a:p>
           <a:p>
             <a:r>
-              <a:rPr lang="cs-CZ" i="1" dirty="0"/>
-              <a:t>Používáte tento způsob sdílení dat v </a:t>
-            </a:r>
-            <a:r>
-              <a:rPr lang="cs-CZ" i="1" dirty="0" err="1"/>
-              <a:t>praci</a:t>
-            </a:r>
-            <a:r>
-              <a:rPr lang="cs-CZ" i="1" dirty="0"/>
-              <a:t>?</a:t>
+              <a:rPr lang="cs-CZ" i="1" dirty="0">
+                <a:solidFill>
+                  <a:srgbClr val="FFC000"/>
+                </a:solidFill>
+              </a:rPr>
+              <a:t>Používáte tento způsob sdílení dat v praxi?</a:t>
             </a:r>
           </a:p>
         </p:txBody>
@@ -16145,15 +16145,7 @@
           <a:p>
             <a:r>
               <a:rPr lang="cs-CZ" dirty="0"/>
-              <a:t>Problém s možnou </a:t>
-            </a:r>
-            <a:r>
-              <a:rPr lang="cs-CZ" dirty="0" err="1"/>
-              <a:t>reundancí</a:t>
-            </a:r>
-            <a:r>
-              <a:rPr lang="cs-CZ" dirty="0"/>
-              <a:t> dat</a:t>
+              <a:t>Problém s možnou redundancí dat</a:t>
             </a:r>
           </a:p>
           <a:p>
@@ -17619,7 +17611,7 @@
                   </a:schemeClr>
                 </a:solidFill>
               </a:rPr>
-              <a:t>  }</a:t>
+              <a:t>  }}</a:t>
             </a:r>
           </a:p>
           <a:p>
